--- a/dag.pptx
+++ b/dag.pptx
@@ -5,8 +5,7 @@
     <p:sldMasterId id="2147483648" r:id="rId1"/>
   </p:sldMasterIdLst>
   <p:sldIdLst>
-    <p:sldId id="256" r:id="rId2"/>
-    <p:sldId id="257" r:id="rId3"/>
+    <p:sldId id="257" r:id="rId2"/>
   </p:sldIdLst>
   <p:sldSz cx="12192000" cy="6858000"/>
   <p:notesSz cx="6858000" cy="9144000"/>
@@ -105,7 +104,16 @@
       </a:defRPr>
     </a:lvl9pPr>
   </p:defaultTextStyle>
+  <p:extLst>
+    <p:ext uri="{EFAFB233-063F-42B5-8137-9DF3F51BA10A}">
+      <p15:sldGuideLst xmlns:p15="http://schemas.microsoft.com/office/powerpoint/2012/main"/>
+    </p:ext>
+  </p:extLst>
 </p:presentation>
+</file>
+
+<file path=ppt/revisionInfo.xml><?xml version="1.0" encoding="utf-8"?>
+<p1510:revInfo xmlns:a="http://schemas.openxmlformats.org/drawingml/2006/main" xmlns:r="http://schemas.openxmlformats.org/officeDocument/2006/relationships" xmlns:p1510="http://schemas.microsoft.com/office/powerpoint/2015/10/main"/>
 </file>
 
 <file path=ppt/slideLayouts/slideLayout1.xml><?xml version="1.0" encoding="utf-8"?>
@@ -255,7 +263,7 @@
           <a:p>
             <a:fld id="{5D205897-A774-40B7-B59E-87F8E0451524}" type="datetimeFigureOut">
               <a:rPr lang="en-US" smtClean="0"/>
-              <a:t>11/18/2017</a:t>
+              <a:t>12/9/2017</a:t>
             </a:fld>
             <a:endParaRPr lang="en-US"/>
           </a:p>
@@ -453,7 +461,7 @@
           <a:p>
             <a:fld id="{5D205897-A774-40B7-B59E-87F8E0451524}" type="datetimeFigureOut">
               <a:rPr lang="en-US" smtClean="0"/>
-              <a:t>11/18/2017</a:t>
+              <a:t>12/9/2017</a:t>
             </a:fld>
             <a:endParaRPr lang="en-US"/>
           </a:p>
@@ -661,7 +669,7 @@
           <a:p>
             <a:fld id="{5D205897-A774-40B7-B59E-87F8E0451524}" type="datetimeFigureOut">
               <a:rPr lang="en-US" smtClean="0"/>
-              <a:t>11/18/2017</a:t>
+              <a:t>12/9/2017</a:t>
             </a:fld>
             <a:endParaRPr lang="en-US"/>
           </a:p>
@@ -859,7 +867,7 @@
           <a:p>
             <a:fld id="{5D205897-A774-40B7-B59E-87F8E0451524}" type="datetimeFigureOut">
               <a:rPr lang="en-US" smtClean="0"/>
-              <a:t>11/18/2017</a:t>
+              <a:t>12/9/2017</a:t>
             </a:fld>
             <a:endParaRPr lang="en-US"/>
           </a:p>
@@ -1134,7 +1142,7 @@
           <a:p>
             <a:fld id="{5D205897-A774-40B7-B59E-87F8E0451524}" type="datetimeFigureOut">
               <a:rPr lang="en-US" smtClean="0"/>
-              <a:t>11/18/2017</a:t>
+              <a:t>12/9/2017</a:t>
             </a:fld>
             <a:endParaRPr lang="en-US"/>
           </a:p>
@@ -1399,7 +1407,7 @@
           <a:p>
             <a:fld id="{5D205897-A774-40B7-B59E-87F8E0451524}" type="datetimeFigureOut">
               <a:rPr lang="en-US" smtClean="0"/>
-              <a:t>11/18/2017</a:t>
+              <a:t>12/9/2017</a:t>
             </a:fld>
             <a:endParaRPr lang="en-US"/>
           </a:p>
@@ -1811,7 +1819,7 @@
           <a:p>
             <a:fld id="{5D205897-A774-40B7-B59E-87F8E0451524}" type="datetimeFigureOut">
               <a:rPr lang="en-US" smtClean="0"/>
-              <a:t>11/18/2017</a:t>
+              <a:t>12/9/2017</a:t>
             </a:fld>
             <a:endParaRPr lang="en-US"/>
           </a:p>
@@ -1952,7 +1960,7 @@
           <a:p>
             <a:fld id="{5D205897-A774-40B7-B59E-87F8E0451524}" type="datetimeFigureOut">
               <a:rPr lang="en-US" smtClean="0"/>
-              <a:t>11/18/2017</a:t>
+              <a:t>12/9/2017</a:t>
             </a:fld>
             <a:endParaRPr lang="en-US"/>
           </a:p>
@@ -2065,7 +2073,7 @@
           <a:p>
             <a:fld id="{5D205897-A774-40B7-B59E-87F8E0451524}" type="datetimeFigureOut">
               <a:rPr lang="en-US" smtClean="0"/>
-              <a:t>11/18/2017</a:t>
+              <a:t>12/9/2017</a:t>
             </a:fld>
             <a:endParaRPr lang="en-US"/>
           </a:p>
@@ -2376,7 +2384,7 @@
           <a:p>
             <a:fld id="{5D205897-A774-40B7-B59E-87F8E0451524}" type="datetimeFigureOut">
               <a:rPr lang="en-US" smtClean="0"/>
-              <a:t>11/18/2017</a:t>
+              <a:t>12/9/2017</a:t>
             </a:fld>
             <a:endParaRPr lang="en-US"/>
           </a:p>
@@ -2664,7 +2672,7 @@
           <a:p>
             <a:fld id="{5D205897-A774-40B7-B59E-87F8E0451524}" type="datetimeFigureOut">
               <a:rPr lang="en-US" smtClean="0"/>
-              <a:t>11/18/2017</a:t>
+              <a:t>12/9/2017</a:t>
             </a:fld>
             <a:endParaRPr lang="en-US"/>
           </a:p>
@@ -2905,7 +2913,7 @@
           <a:p>
             <a:fld id="{5D205897-A774-40B7-B59E-87F8E0451524}" type="datetimeFigureOut">
               <a:rPr lang="en-US" smtClean="0"/>
-              <a:t>11/18/2017</a:t>
+              <a:t>12/9/2017</a:t>
             </a:fld>
             <a:endParaRPr lang="en-US"/>
           </a:p>
@@ -3392,7 +3400,7 @@
         </p:nvSpPr>
         <p:spPr>
           <a:xfrm>
-            <a:off x="3873732" y="2854644"/>
+            <a:off x="3915085" y="3133728"/>
             <a:ext cx="490620" cy="490620"/>
           </a:xfrm>
           <a:prstGeom prst="ellipse">
@@ -3421,33 +3429,21 @@
           <a:lstStyle/>
           <a:p>
             <a:pPr algn="ctr"/>
-            <a:r>
-              <a:rPr lang="en-US" sz="1200" dirty="0">
-                <a:solidFill>
-                  <a:schemeClr val="tx1"/>
-                </a:solidFill>
-                <a:latin typeface="Symbol" panose="05050102010706020507" pitchFamily="18" charset="2"/>
-              </a:rPr>
-              <a:t>b</a:t>
-            </a:r>
-            <a:r>
-              <a:rPr lang="en-US" sz="1200" baseline="-25000" dirty="0">
-                <a:solidFill>
-                  <a:schemeClr val="tx1"/>
-                </a:solidFill>
-                <a:latin typeface="Symbol" panose="05050102010706020507" pitchFamily="18" charset="2"/>
-              </a:rPr>
-              <a:t>1</a:t>
-            </a:r>
-          </a:p>
-        </p:txBody>
-      </p:sp>
-      <p:sp>
-        <p:nvSpPr>
-          <p:cNvPr id="6" name="Oval 5">
-            <a:extLst>
-              <a:ext uri="{FF2B5EF4-FFF2-40B4-BE49-F238E27FC236}">
-                <a16:creationId xmlns:a16="http://schemas.microsoft.com/office/drawing/2014/main" id="{742B2703-3E37-40B2-814B-23BC980BC979}"/>
+            <a:endParaRPr lang="en-US" sz="1200" baseline="-25000" dirty="0">
+              <a:solidFill>
+                <a:schemeClr val="tx1"/>
+              </a:solidFill>
+              <a:latin typeface="Symbol" panose="05050102010706020507" pitchFamily="18" charset="2"/>
+            </a:endParaRPr>
+          </a:p>
+        </p:txBody>
+      </p:sp>
+      <p:sp>
+        <p:nvSpPr>
+          <p:cNvPr id="8" name="Oval 7">
+            <a:extLst>
+              <a:ext uri="{FF2B5EF4-FFF2-40B4-BE49-F238E27FC236}">
+                <a16:creationId xmlns:a16="http://schemas.microsoft.com/office/drawing/2014/main" id="{D485710D-59E1-48F6-A39E-3046D177F6C7}"/>
               </a:ext>
             </a:extLst>
           </p:cNvPr>
@@ -3456,13 +3452,16 @@
         </p:nvSpPr>
         <p:spPr>
           <a:xfrm>
-            <a:off x="3873732" y="3512737"/>
+            <a:off x="4746569" y="1997258"/>
             <a:ext cx="490620" cy="490620"/>
           </a:xfrm>
           <a:prstGeom prst="ellipse">
             <a:avLst/>
           </a:prstGeom>
           <a:noFill/>
+          <a:ln>
+            <a:noFill/>
+          </a:ln>
         </p:spPr>
         <p:style>
           <a:lnRef idx="2">
@@ -3490,73 +3489,6 @@
                 <a:solidFill>
                   <a:schemeClr val="tx1"/>
                 </a:solidFill>
-                <a:latin typeface="Symbol" panose="05050102010706020507" pitchFamily="18" charset="2"/>
-              </a:rPr>
-              <a:t>b</a:t>
-            </a:r>
-            <a:r>
-              <a:rPr lang="en-US" sz="1200" baseline="-25000" dirty="0">
-                <a:solidFill>
-                  <a:schemeClr val="tx1"/>
-                </a:solidFill>
-                <a:latin typeface="Symbol" panose="05050102010706020507" pitchFamily="18" charset="2"/>
-              </a:rPr>
-              <a:t>2</a:t>
-            </a:r>
-          </a:p>
-        </p:txBody>
-      </p:sp>
-      <p:sp>
-        <p:nvSpPr>
-          <p:cNvPr id="8" name="Oval 7">
-            <a:extLst>
-              <a:ext uri="{FF2B5EF4-FFF2-40B4-BE49-F238E27FC236}">
-                <a16:creationId xmlns:a16="http://schemas.microsoft.com/office/drawing/2014/main" id="{D485710D-59E1-48F6-A39E-3046D177F6C7}"/>
-              </a:ext>
-            </a:extLst>
-          </p:cNvPr>
-          <p:cNvSpPr/>
-          <p:nvPr/>
-        </p:nvSpPr>
-        <p:spPr>
-          <a:xfrm>
-            <a:off x="4746569" y="2084940"/>
-            <a:ext cx="490620" cy="490620"/>
-          </a:xfrm>
-          <a:prstGeom prst="ellipse">
-            <a:avLst/>
-          </a:prstGeom>
-          <a:noFill/>
-          <a:ln>
-            <a:noFill/>
-          </a:ln>
-        </p:spPr>
-        <p:style>
-          <a:lnRef idx="2">
-            <a:schemeClr val="accent1">
-              <a:shade val="50000"/>
-            </a:schemeClr>
-          </a:lnRef>
-          <a:fillRef idx="1">
-            <a:schemeClr val="accent1"/>
-          </a:fillRef>
-          <a:effectRef idx="0">
-            <a:schemeClr val="accent1"/>
-          </a:effectRef>
-          <a:fontRef idx="minor">
-            <a:schemeClr val="lt1"/>
-          </a:fontRef>
-        </p:style>
-        <p:txBody>
-          <a:bodyPr rtlCol="0" anchor="ctr"/>
-          <a:lstStyle/>
-          <a:p>
-            <a:pPr algn="ctr"/>
-            <a:r>
-              <a:rPr lang="en-US" sz="1200" dirty="0">
-                <a:solidFill>
-                  <a:schemeClr val="tx1"/>
-                </a:solidFill>
               </a:rPr>
               <a:t>X</a:t>
             </a:r>
@@ -3578,15 +3510,15 @@
             </a:extLst>
           </p:cNvPr>
           <p:cNvCxnSpPr>
-            <a:stCxn id="8" idx="4"/>
+            <a:cxnSpLocks/>
             <a:endCxn id="4" idx="0"/>
           </p:cNvCxnSpPr>
           <p:nvPr/>
         </p:nvCxnSpPr>
         <p:spPr>
           <a:xfrm>
-            <a:off x="4991879" y="2575560"/>
-            <a:ext cx="0" cy="558169"/>
+            <a:off x="4991878" y="2314575"/>
+            <a:ext cx="1" cy="819154"/>
           </a:xfrm>
           <a:prstGeom prst="straightConnector1">
             <a:avLst/>
@@ -3620,6 +3552,7 @@
             </a:extLst>
           </p:cNvPr>
           <p:cNvCxnSpPr>
+            <a:cxnSpLocks/>
             <a:stCxn id="5" idx="6"/>
             <a:endCxn id="4" idx="2"/>
           </p:cNvCxnSpPr>
@@ -3627,50 +3560,8 @@
         </p:nvCxnSpPr>
         <p:spPr>
           <a:xfrm>
-            <a:off x="4364352" y="3099954"/>
-            <a:ext cx="382217" cy="279085"/>
-          </a:xfrm>
-          <a:prstGeom prst="straightConnector1">
-            <a:avLst/>
-          </a:prstGeom>
-          <a:ln>
-            <a:tailEnd type="triangle"/>
-          </a:ln>
-        </p:spPr>
-        <p:style>
-          <a:lnRef idx="1">
-            <a:schemeClr val="accent1"/>
-          </a:lnRef>
-          <a:fillRef idx="0">
-            <a:schemeClr val="accent1"/>
-          </a:fillRef>
-          <a:effectRef idx="0">
-            <a:schemeClr val="accent1"/>
-          </a:effectRef>
-          <a:fontRef idx="minor">
-            <a:schemeClr val="tx1"/>
-          </a:fontRef>
-        </p:style>
-      </p:cxnSp>
-      <p:cxnSp>
-        <p:nvCxnSpPr>
-          <p:cNvPr id="15" name="Straight Arrow Connector 14">
-            <a:extLst>
-              <a:ext uri="{FF2B5EF4-FFF2-40B4-BE49-F238E27FC236}">
-                <a16:creationId xmlns:a16="http://schemas.microsoft.com/office/drawing/2014/main" id="{8A6D0D51-DB8C-491A-A552-B9FCB95CBF26}"/>
-              </a:ext>
-            </a:extLst>
-          </p:cNvPr>
-          <p:cNvCxnSpPr>
-            <a:stCxn id="6" idx="6"/>
-            <a:endCxn id="4" idx="2"/>
-          </p:cNvCxnSpPr>
-          <p:nvPr/>
-        </p:nvCxnSpPr>
-        <p:spPr>
-          <a:xfrm flipV="1">
-            <a:off x="4364352" y="3379039"/>
-            <a:ext cx="382217" cy="379008"/>
+            <a:off x="4405705" y="3379038"/>
+            <a:ext cx="340864" cy="1"/>
           </a:xfrm>
           <a:prstGeom prst="straightConnector1">
             <a:avLst/>
@@ -3755,7 +3646,7 @@
         </p:nvSpPr>
         <p:spPr>
           <a:xfrm>
-            <a:off x="6037979" y="3116841"/>
+            <a:off x="6370106" y="3116841"/>
             <a:ext cx="490620" cy="490620"/>
           </a:xfrm>
           <a:prstGeom prst="ellipse">
@@ -3810,7 +3701,7 @@
         <p:spPr>
           <a:xfrm flipH="1">
             <a:off x="5237188" y="3362151"/>
-            <a:ext cx="800791" cy="16888"/>
+            <a:ext cx="1132918" cy="16888"/>
           </a:xfrm>
           <a:prstGeom prst="straightConnector1">
             <a:avLst/>
@@ -3848,8 +3739,8 @@
         </p:nvSpPr>
         <p:spPr>
           <a:xfrm>
-            <a:off x="3666835" y="1413164"/>
-            <a:ext cx="2113281" cy="3168072"/>
+            <a:off x="3666835" y="1413163"/>
+            <a:ext cx="2371143" cy="3720809"/>
           </a:xfrm>
           <a:prstGeom prst="roundRect">
             <a:avLst/>
@@ -3895,8 +3786,8 @@
         </p:nvSpPr>
         <p:spPr>
           <a:xfrm>
-            <a:off x="5341621" y="4202290"/>
-            <a:ext cx="239682" cy="378946"/>
+            <a:off x="5237188" y="4777646"/>
+            <a:ext cx="906002" cy="307777"/>
           </a:xfrm>
           <a:prstGeom prst="rect">
             <a:avLst/>
@@ -3910,8 +3801,8 @@
           <a:lstStyle/>
           <a:p>
             <a:r>
-              <a:rPr lang="en-US" dirty="0"/>
-              <a:t>J</a:t>
+              <a:rPr lang="en-US" sz="1400" dirty="0"/>
+              <a:t>Position</a:t>
             </a:r>
           </a:p>
         </p:txBody>
@@ -3930,7 +3821,7 @@
         </p:nvSpPr>
         <p:spPr>
           <a:xfrm>
-            <a:off x="2678121" y="2263578"/>
+            <a:off x="2686184" y="2585277"/>
             <a:ext cx="490620" cy="490620"/>
           </a:xfrm>
           <a:prstGeom prst="ellipse">
@@ -3960,32 +3851,29 @@
           <a:p>
             <a:pPr algn="ctr"/>
             <a:r>
-              <a:rPr lang="en-US" sz="1000" dirty="0">
+              <a:rPr lang="en-US" sz="1200" dirty="0">
                 <a:solidFill>
                   <a:schemeClr val="tx1"/>
                 </a:solidFill>
                 <a:latin typeface="Symbol" panose="05050102010706020507" pitchFamily="18" charset="2"/>
               </a:rPr>
-              <a:t>m</a:t>
-            </a:r>
-            <a:r>
-              <a:rPr lang="en-US" sz="1000" baseline="-25000" dirty="0">
-                <a:solidFill>
-                  <a:schemeClr val="tx1"/>
-                </a:solidFill>
-                <a:latin typeface="Symbol" panose="05050102010706020507" pitchFamily="18" charset="2"/>
-              </a:rPr>
-              <a:t>b1</a:t>
-            </a:r>
-          </a:p>
-        </p:txBody>
-      </p:sp>
-      <p:sp>
-        <p:nvSpPr>
-          <p:cNvPr id="24" name="Oval 23">
-            <a:extLst>
-              <a:ext uri="{FF2B5EF4-FFF2-40B4-BE49-F238E27FC236}">
-                <a16:creationId xmlns:a16="http://schemas.microsoft.com/office/drawing/2014/main" id="{99D85222-2495-45F3-AC13-4DAC7A0FA3A4}"/>
+              <a:t>h</a:t>
+            </a:r>
+            <a:endParaRPr lang="en-US" sz="1200" baseline="-25000" dirty="0">
+              <a:solidFill>
+                <a:schemeClr val="tx1"/>
+              </a:solidFill>
+              <a:latin typeface="Symbol" panose="05050102010706020507" pitchFamily="18" charset="2"/>
+            </a:endParaRPr>
+          </a:p>
+        </p:txBody>
+      </p:sp>
+      <p:sp>
+        <p:nvSpPr>
+          <p:cNvPr id="25" name="Oval 24">
+            <a:extLst>
+              <a:ext uri="{FF2B5EF4-FFF2-40B4-BE49-F238E27FC236}">
+                <a16:creationId xmlns:a16="http://schemas.microsoft.com/office/drawing/2014/main" id="{7EF3CFC5-0598-4F1C-A90B-DC1E1D94F2A5}"/>
               </a:ext>
             </a:extLst>
           </p:cNvPr>
@@ -3994,7 +3882,7 @@
         </p:nvSpPr>
         <p:spPr>
           <a:xfrm>
-            <a:off x="2693490" y="3512737"/>
+            <a:off x="2684135" y="3133728"/>
             <a:ext cx="490620" cy="490620"/>
           </a:xfrm>
           <a:prstGeom prst="ellipse">
@@ -4024,84 +3912,23 @@
           <a:p>
             <a:pPr algn="ctr"/>
             <a:r>
-              <a:rPr lang="en-US" sz="1000" dirty="0">
+              <a:rPr lang="en-US" sz="1200" spc="-150" dirty="0">
                 <a:solidFill>
                   <a:schemeClr val="tx1"/>
                 </a:solidFill>
                 <a:latin typeface="Symbol" panose="05050102010706020507" pitchFamily="18" charset="2"/>
               </a:rPr>
-              <a:t>m</a:t>
-            </a:r>
-            <a:r>
-              <a:rPr lang="en-US" sz="1000" baseline="-25000" dirty="0">
-                <a:solidFill>
-                  <a:schemeClr val="tx1"/>
-                </a:solidFill>
-                <a:latin typeface="Symbol" panose="05050102010706020507" pitchFamily="18" charset="2"/>
-              </a:rPr>
-              <a:t>b2</a:t>
-            </a:r>
-          </a:p>
-        </p:txBody>
-      </p:sp>
-      <p:sp>
-        <p:nvSpPr>
-          <p:cNvPr id="25" name="Oval 24">
-            <a:extLst>
-              <a:ext uri="{FF2B5EF4-FFF2-40B4-BE49-F238E27FC236}">
-                <a16:creationId xmlns:a16="http://schemas.microsoft.com/office/drawing/2014/main" id="{7EF3CFC5-0598-4F1C-A90B-DC1E1D94F2A5}"/>
-              </a:ext>
-            </a:extLst>
-          </p:cNvPr>
-          <p:cNvSpPr/>
-          <p:nvPr/>
-        </p:nvSpPr>
-        <p:spPr>
-          <a:xfrm>
-            <a:off x="2685595" y="2888418"/>
-            <a:ext cx="490620" cy="490620"/>
-          </a:xfrm>
-          <a:prstGeom prst="ellipse">
-            <a:avLst/>
-          </a:prstGeom>
-          <a:noFill/>
-        </p:spPr>
-        <p:style>
-          <a:lnRef idx="2">
-            <a:schemeClr val="accent1">
-              <a:shade val="50000"/>
-            </a:schemeClr>
-          </a:lnRef>
-          <a:fillRef idx="1">
-            <a:schemeClr val="accent1"/>
-          </a:fillRef>
-          <a:effectRef idx="0">
-            <a:schemeClr val="accent1"/>
-          </a:effectRef>
-          <a:fontRef idx="minor">
-            <a:schemeClr val="lt1"/>
-          </a:fontRef>
-        </p:style>
-        <p:txBody>
-          <a:bodyPr rtlCol="0" anchor="ctr"/>
-          <a:lstStyle/>
-          <a:p>
-            <a:pPr algn="ctr"/>
-            <a:endParaRPr lang="en-US" sz="1200" spc="-150" baseline="30000" dirty="0">
-              <a:solidFill>
-                <a:schemeClr val="tx1"/>
-              </a:solidFill>
-              <a:latin typeface="Symbol" panose="05050102010706020507" pitchFamily="18" charset="2"/>
-            </a:endParaRPr>
-          </a:p>
-        </p:txBody>
-      </p:sp>
-      <p:sp>
-        <p:nvSpPr>
-          <p:cNvPr id="27" name="TextBox 26">
-            <a:extLst>
-              <a:ext uri="{FF2B5EF4-FFF2-40B4-BE49-F238E27FC236}">
-                <a16:creationId xmlns:a16="http://schemas.microsoft.com/office/drawing/2014/main" id="{DF5FF4C3-1671-4022-B19E-5A2A9138B297}"/>
+              <a:t>r</a:t>
+            </a:r>
+          </a:p>
+        </p:txBody>
+      </p:sp>
+      <p:sp>
+        <p:nvSpPr>
+          <p:cNvPr id="30" name="TextBox 29">
+            <a:extLst>
+              <a:ext uri="{FF2B5EF4-FFF2-40B4-BE49-F238E27FC236}">
+                <a16:creationId xmlns:a16="http://schemas.microsoft.com/office/drawing/2014/main" id="{7BB47643-718A-4218-A459-2E87B794064F}"/>
               </a:ext>
             </a:extLst>
           </p:cNvPr>
@@ -4110,8 +3937,8 @@
         </p:nvSpPr>
         <p:spPr>
           <a:xfrm>
-            <a:off x="2752347" y="2850562"/>
-            <a:ext cx="565729" cy="430887"/>
+            <a:off x="6430268" y="3081850"/>
+            <a:ext cx="430457" cy="430887"/>
           </a:xfrm>
           <a:prstGeom prst="rect">
             <a:avLst/>
@@ -4136,16 +3963,8 @@
               <a:t>s</a:t>
             </a:r>
             <a:r>
-              <a:rPr lang="en-US" sz="1400" spc="-150" baseline="-25000" dirty="0">
-                <a:latin typeface="Symbol" panose="05050102010706020507" pitchFamily="18" charset="2"/>
-              </a:rPr>
-              <a:t>b</a:t>
-            </a:r>
-            <a:r>
-              <a:rPr lang="en-US" sz="1100" spc="-150" baseline="-25000" dirty="0">
-                <a:latin typeface="Symbol" panose="05050102010706020507" pitchFamily="18" charset="2"/>
-              </a:rPr>
-              <a:t>1</a:t>
+              <a:rPr lang="en-US" sz="1400" spc="-150" baseline="-25000" dirty="0"/>
+              <a:t>y</a:t>
             </a:r>
             <a:r>
               <a:rPr lang="en-US" sz="1400" spc="-150" baseline="30000" dirty="0">
@@ -4157,172 +3976,6 @@
           </a:p>
         </p:txBody>
       </p:sp>
-      <p:sp>
-        <p:nvSpPr>
-          <p:cNvPr id="28" name="Oval 27">
-            <a:extLst>
-              <a:ext uri="{FF2B5EF4-FFF2-40B4-BE49-F238E27FC236}">
-                <a16:creationId xmlns:a16="http://schemas.microsoft.com/office/drawing/2014/main" id="{93883022-2D1F-47A0-BBB5-D7ED13860212}"/>
-              </a:ext>
-            </a:extLst>
-          </p:cNvPr>
-          <p:cNvSpPr/>
-          <p:nvPr/>
-        </p:nvSpPr>
-        <p:spPr>
-          <a:xfrm>
-            <a:off x="2689978" y="4105625"/>
-            <a:ext cx="490620" cy="490620"/>
-          </a:xfrm>
-          <a:prstGeom prst="ellipse">
-            <a:avLst/>
-          </a:prstGeom>
-          <a:noFill/>
-        </p:spPr>
-        <p:style>
-          <a:lnRef idx="2">
-            <a:schemeClr val="accent1">
-              <a:shade val="50000"/>
-            </a:schemeClr>
-          </a:lnRef>
-          <a:fillRef idx="1">
-            <a:schemeClr val="accent1"/>
-          </a:fillRef>
-          <a:effectRef idx="0">
-            <a:schemeClr val="accent1"/>
-          </a:effectRef>
-          <a:fontRef idx="minor">
-            <a:schemeClr val="lt1"/>
-          </a:fontRef>
-        </p:style>
-        <p:txBody>
-          <a:bodyPr rtlCol="0" anchor="ctr"/>
-          <a:lstStyle/>
-          <a:p>
-            <a:pPr algn="ctr"/>
-            <a:endParaRPr lang="en-US" sz="1200" spc="-150" baseline="30000" dirty="0">
-              <a:solidFill>
-                <a:schemeClr val="tx1"/>
-              </a:solidFill>
-              <a:latin typeface="Symbol" panose="05050102010706020507" pitchFamily="18" charset="2"/>
-            </a:endParaRPr>
-          </a:p>
-        </p:txBody>
-      </p:sp>
-      <p:sp>
-        <p:nvSpPr>
-          <p:cNvPr id="29" name="TextBox 28">
-            <a:extLst>
-              <a:ext uri="{FF2B5EF4-FFF2-40B4-BE49-F238E27FC236}">
-                <a16:creationId xmlns:a16="http://schemas.microsoft.com/office/drawing/2014/main" id="{9B2F0CC5-6F6E-4080-9A49-C8BE28350F61}"/>
-              </a:ext>
-            </a:extLst>
-          </p:cNvPr>
-          <p:cNvSpPr txBox="1"/>
-          <p:nvPr/>
-        </p:nvSpPr>
-        <p:spPr>
-          <a:xfrm>
-            <a:off x="2758036" y="4054302"/>
-            <a:ext cx="430457" cy="430887"/>
-          </a:xfrm>
-          <a:prstGeom prst="rect">
-            <a:avLst/>
-          </a:prstGeom>
-          <a:noFill/>
-        </p:spPr>
-        <p:txBody>
-          <a:bodyPr wrap="square" rtlCol="0">
-            <a:spAutoFit/>
-          </a:bodyPr>
-          <a:lstStyle/>
-          <a:p>
-            <a:endParaRPr lang="en-US" sz="1200" spc="-150" baseline="30000" dirty="0">
-              <a:latin typeface="Symbol" panose="05050102010706020507" pitchFamily="18" charset="2"/>
-            </a:endParaRPr>
-          </a:p>
-          <a:p>
-            <a:r>
-              <a:rPr lang="en-US" sz="1400" spc="-150" dirty="0">
-                <a:latin typeface="Symbol" panose="05050102010706020507" pitchFamily="18" charset="2"/>
-              </a:rPr>
-              <a:t>s</a:t>
-            </a:r>
-            <a:r>
-              <a:rPr lang="en-US" sz="1400" spc="-150" baseline="-25000" dirty="0">
-                <a:latin typeface="Symbol" panose="05050102010706020507" pitchFamily="18" charset="2"/>
-              </a:rPr>
-              <a:t>b</a:t>
-            </a:r>
-            <a:r>
-              <a:rPr lang="en-US" sz="1100" spc="-150" baseline="-25000" dirty="0">
-                <a:latin typeface="Symbol" panose="05050102010706020507" pitchFamily="18" charset="2"/>
-              </a:rPr>
-              <a:t>2</a:t>
-            </a:r>
-            <a:r>
-              <a:rPr lang="en-US" sz="1400" spc="-150" baseline="30000" dirty="0">
-                <a:latin typeface="Symbol" panose="05050102010706020507" pitchFamily="18" charset="2"/>
-              </a:rPr>
-              <a:t>2</a:t>
-            </a:r>
-            <a:endParaRPr lang="en-US" sz="1400" dirty="0"/>
-          </a:p>
-        </p:txBody>
-      </p:sp>
-      <p:sp>
-        <p:nvSpPr>
-          <p:cNvPr id="30" name="TextBox 29">
-            <a:extLst>
-              <a:ext uri="{FF2B5EF4-FFF2-40B4-BE49-F238E27FC236}">
-                <a16:creationId xmlns:a16="http://schemas.microsoft.com/office/drawing/2014/main" id="{7BB47643-718A-4218-A459-2E87B794064F}"/>
-              </a:ext>
-            </a:extLst>
-          </p:cNvPr>
-          <p:cNvSpPr txBox="1"/>
-          <p:nvPr/>
-        </p:nvSpPr>
-        <p:spPr>
-          <a:xfrm>
-            <a:off x="6098141" y="3081850"/>
-            <a:ext cx="430457" cy="430887"/>
-          </a:xfrm>
-          <a:prstGeom prst="rect">
-            <a:avLst/>
-          </a:prstGeom>
-          <a:noFill/>
-        </p:spPr>
-        <p:txBody>
-          <a:bodyPr wrap="square" rtlCol="0">
-            <a:spAutoFit/>
-          </a:bodyPr>
-          <a:lstStyle/>
-          <a:p>
-            <a:endParaRPr lang="en-US" sz="1200" spc="-150" baseline="30000" dirty="0">
-              <a:latin typeface="Symbol" panose="05050102010706020507" pitchFamily="18" charset="2"/>
-            </a:endParaRPr>
-          </a:p>
-          <a:p>
-            <a:r>
-              <a:rPr lang="en-US" sz="1400" spc="-150" dirty="0">
-                <a:latin typeface="Symbol" panose="05050102010706020507" pitchFamily="18" charset="2"/>
-              </a:rPr>
-              <a:t>s</a:t>
-            </a:r>
-            <a:r>
-              <a:rPr lang="en-US" sz="1400" spc="-150" baseline="-25000" dirty="0"/>
-              <a:t>y</a:t>
-            </a:r>
-            <a:r>
-              <a:rPr lang="en-US" sz="1400" spc="-150" baseline="30000" dirty="0">
-                <a:latin typeface="Symbol" panose="05050102010706020507" pitchFamily="18" charset="2"/>
-              </a:rPr>
-              <a:t>2</a:t>
-            </a:r>
-            <a:endParaRPr lang="en-US" sz="1400" dirty="0"/>
-          </a:p>
-        </p:txBody>
-      </p:sp>
       <p:cxnSp>
         <p:nvCxnSpPr>
           <p:cNvPr id="32" name="Straight Arrow Connector 31">
@@ -4333,15 +3986,15 @@
             </a:extLst>
           </p:cNvPr>
           <p:cNvCxnSpPr>
+            <a:cxnSpLocks/>
             <a:stCxn id="22" idx="6"/>
-            <a:endCxn id="5" idx="2"/>
           </p:cNvCxnSpPr>
           <p:nvPr/>
         </p:nvCxnSpPr>
         <p:spPr>
           <a:xfrm>
-            <a:off x="3168741" y="2508888"/>
-            <a:ext cx="704991" cy="591066"/>
+            <a:off x="3176804" y="2830587"/>
+            <a:ext cx="738281" cy="14933"/>
           </a:xfrm>
           <a:prstGeom prst="straightConnector1">
             <a:avLst/>
@@ -4382,9 +4035,521 @@
           <p:nvPr/>
         </p:nvCxnSpPr>
         <p:spPr>
+          <a:xfrm>
+            <a:off x="3174755" y="3379038"/>
+            <a:ext cx="740330" cy="0"/>
+          </a:xfrm>
+          <a:prstGeom prst="straightConnector1">
+            <a:avLst/>
+          </a:prstGeom>
+          <a:ln>
+            <a:tailEnd type="triangle"/>
+          </a:ln>
+        </p:spPr>
+        <p:style>
+          <a:lnRef idx="1">
+            <a:schemeClr val="accent1"/>
+          </a:lnRef>
+          <a:fillRef idx="0">
+            <a:schemeClr val="accent1"/>
+          </a:fillRef>
+          <a:effectRef idx="0">
+            <a:schemeClr val="accent1"/>
+          </a:effectRef>
+          <a:fontRef idx="minor">
+            <a:schemeClr val="tx1"/>
+          </a:fontRef>
+        </p:style>
+      </p:cxnSp>
+      <p:sp>
+        <p:nvSpPr>
+          <p:cNvPr id="44" name="TextBox 43">
+            <a:extLst>
+              <a:ext uri="{FF2B5EF4-FFF2-40B4-BE49-F238E27FC236}">
+                <a16:creationId xmlns:a16="http://schemas.microsoft.com/office/drawing/2014/main" id="{AB4B8508-3514-457C-85EF-B2451679BB77}"/>
+              </a:ext>
+            </a:extLst>
+          </p:cNvPr>
+          <p:cNvSpPr txBox="1"/>
+          <p:nvPr/>
+        </p:nvSpPr>
+        <p:spPr>
+          <a:xfrm>
+            <a:off x="5076601" y="3795563"/>
+            <a:ext cx="1025236" cy="307777"/>
+          </a:xfrm>
+          <a:prstGeom prst="rect">
+            <a:avLst/>
+          </a:prstGeom>
+          <a:noFill/>
+        </p:spPr>
+        <p:txBody>
+          <a:bodyPr wrap="square" rtlCol="0">
+            <a:spAutoFit/>
+          </a:bodyPr>
+          <a:lstStyle/>
+          <a:p>
+            <a:r>
+              <a:rPr lang="en-US" sz="1400" dirty="0"/>
+              <a:t>N</a:t>
+            </a:r>
+          </a:p>
+        </p:txBody>
+      </p:sp>
+      <p:sp>
+        <p:nvSpPr>
+          <p:cNvPr id="23" name="Rectangle: Rounded Corners 22">
+            <a:extLst>
+              <a:ext uri="{FF2B5EF4-FFF2-40B4-BE49-F238E27FC236}">
+                <a16:creationId xmlns:a16="http://schemas.microsoft.com/office/drawing/2014/main" id="{ED4C393E-082D-47A9-8FD9-ED7A6853E1F8}"/>
+              </a:ext>
+            </a:extLst>
+          </p:cNvPr>
+          <p:cNvSpPr/>
+          <p:nvPr/>
+        </p:nvSpPr>
+        <p:spPr>
+          <a:xfrm>
+            <a:off x="2192055" y="2417523"/>
+            <a:ext cx="3716991" cy="1422268"/>
+          </a:xfrm>
+          <a:prstGeom prst="roundRect">
+            <a:avLst/>
+          </a:prstGeom>
+          <a:noFill/>
+        </p:spPr>
+        <p:style>
+          <a:lnRef idx="2">
+            <a:schemeClr val="accent1">
+              <a:shade val="50000"/>
+            </a:schemeClr>
+          </a:lnRef>
+          <a:fillRef idx="1">
+            <a:schemeClr val="accent1"/>
+          </a:fillRef>
+          <a:effectRef idx="0">
+            <a:schemeClr val="accent1"/>
+          </a:effectRef>
+          <a:fontRef idx="minor">
+            <a:schemeClr val="lt1"/>
+          </a:fontRef>
+        </p:style>
+        <p:txBody>
+          <a:bodyPr rtlCol="0" anchor="ctr"/>
+          <a:lstStyle/>
+          <a:p>
+            <a:pPr algn="ctr"/>
+            <a:endParaRPr lang="en-US" dirty="0"/>
+          </a:p>
+        </p:txBody>
+      </p:sp>
+      <p:sp>
+        <p:nvSpPr>
+          <p:cNvPr id="24" name="TextBox 23">
+            <a:extLst>
+              <a:ext uri="{FF2B5EF4-FFF2-40B4-BE49-F238E27FC236}">
+                <a16:creationId xmlns:a16="http://schemas.microsoft.com/office/drawing/2014/main" id="{891DF183-7E38-4E7B-9835-901C36F656A7}"/>
+              </a:ext>
+            </a:extLst>
+          </p:cNvPr>
+          <p:cNvSpPr txBox="1"/>
+          <p:nvPr/>
+        </p:nvSpPr>
+        <p:spPr>
+          <a:xfrm>
+            <a:off x="5419552" y="3510085"/>
+            <a:ext cx="1025236" cy="307777"/>
+          </a:xfrm>
+          <a:prstGeom prst="rect">
+            <a:avLst/>
+          </a:prstGeom>
+          <a:noFill/>
+        </p:spPr>
+        <p:txBody>
+          <a:bodyPr wrap="square" rtlCol="0">
+            <a:spAutoFit/>
+          </a:bodyPr>
+          <a:lstStyle/>
+          <a:p>
+            <a:r>
+              <a:rPr lang="en-US" sz="1400" dirty="0"/>
+              <a:t>Rank</a:t>
+            </a:r>
+          </a:p>
+        </p:txBody>
+      </p:sp>
+      <p:sp>
+        <p:nvSpPr>
+          <p:cNvPr id="26" name="TextBox 25">
+            <a:extLst>
+              <a:ext uri="{FF2B5EF4-FFF2-40B4-BE49-F238E27FC236}">
+                <a16:creationId xmlns:a16="http://schemas.microsoft.com/office/drawing/2014/main" id="{771508A2-B236-4D36-B8C7-22A065E95E1A}"/>
+              </a:ext>
+            </a:extLst>
+          </p:cNvPr>
+          <p:cNvSpPr txBox="1"/>
+          <p:nvPr/>
+        </p:nvSpPr>
+        <p:spPr>
+          <a:xfrm>
+            <a:off x="3820841" y="2508304"/>
+            <a:ext cx="698922" cy="430887"/>
+          </a:xfrm>
+          <a:prstGeom prst="rect">
+            <a:avLst/>
+          </a:prstGeom>
+          <a:noFill/>
+        </p:spPr>
+        <p:txBody>
+          <a:bodyPr wrap="square" rtlCol="0">
+            <a:spAutoFit/>
+          </a:bodyPr>
+          <a:lstStyle/>
+          <a:p>
+            <a:endParaRPr lang="en-US" sz="1200" spc="-150" baseline="30000" dirty="0">
+              <a:latin typeface="Symbol" panose="05050102010706020507" pitchFamily="18" charset="2"/>
+            </a:endParaRPr>
+          </a:p>
+          <a:p>
+            <a:pPr algn="ctr"/>
+            <a:r>
+              <a:rPr lang="en-US" sz="1400" dirty="0" err="1">
+                <a:latin typeface="Symbol" panose="05050102010706020507" pitchFamily="18" charset="2"/>
+              </a:rPr>
+              <a:t>b</a:t>
+            </a:r>
+            <a:r>
+              <a:rPr lang="en-US" sz="1400" baseline="-25000" dirty="0" err="1"/>
+              <a:t>home</a:t>
+            </a:r>
+            <a:endParaRPr lang="en-US" sz="1400" baseline="-25000" dirty="0">
+              <a:latin typeface="Symbol" panose="05050102010706020507" pitchFamily="18" charset="2"/>
+            </a:endParaRPr>
+          </a:p>
+        </p:txBody>
+      </p:sp>
+      <p:sp>
+        <p:nvSpPr>
+          <p:cNvPr id="28" name="TextBox 27">
+            <a:extLst>
+              <a:ext uri="{FF2B5EF4-FFF2-40B4-BE49-F238E27FC236}">
+                <a16:creationId xmlns:a16="http://schemas.microsoft.com/office/drawing/2014/main" id="{3AE7F622-ABFB-4878-B586-7B5E33B2DA73}"/>
+              </a:ext>
+            </a:extLst>
+          </p:cNvPr>
+          <p:cNvSpPr txBox="1"/>
+          <p:nvPr/>
+        </p:nvSpPr>
+        <p:spPr>
+          <a:xfrm>
+            <a:off x="3813022" y="3115489"/>
+            <a:ext cx="698922" cy="430887"/>
+          </a:xfrm>
+          <a:prstGeom prst="rect">
+            <a:avLst/>
+          </a:prstGeom>
+          <a:noFill/>
+        </p:spPr>
+        <p:txBody>
+          <a:bodyPr wrap="square" rtlCol="0">
+            <a:spAutoFit/>
+          </a:bodyPr>
+          <a:lstStyle/>
+          <a:p>
+            <a:endParaRPr lang="en-US" sz="1200" spc="-150" baseline="30000" dirty="0">
+              <a:latin typeface="Symbol" panose="05050102010706020507" pitchFamily="18" charset="2"/>
+            </a:endParaRPr>
+          </a:p>
+          <a:p>
+            <a:pPr algn="ctr"/>
+            <a:r>
+              <a:rPr lang="en-US" sz="1400" dirty="0" err="1">
+                <a:latin typeface="Symbol" panose="05050102010706020507" pitchFamily="18" charset="2"/>
+              </a:rPr>
+              <a:t>b</a:t>
+            </a:r>
+            <a:r>
+              <a:rPr lang="en-US" sz="1400" baseline="-25000" dirty="0" err="1"/>
+              <a:t>away</a:t>
+            </a:r>
+            <a:endParaRPr lang="en-US" sz="1400" baseline="-25000" dirty="0">
+              <a:latin typeface="Symbol" panose="05050102010706020507" pitchFamily="18" charset="2"/>
+            </a:endParaRPr>
+          </a:p>
+        </p:txBody>
+      </p:sp>
+      <p:sp>
+        <p:nvSpPr>
+          <p:cNvPr id="29" name="TextBox 28">
+            <a:extLst>
+              <a:ext uri="{FF2B5EF4-FFF2-40B4-BE49-F238E27FC236}">
+                <a16:creationId xmlns:a16="http://schemas.microsoft.com/office/drawing/2014/main" id="{669EF271-1F43-4D85-88FB-943350DDA6CB}"/>
+              </a:ext>
+            </a:extLst>
+          </p:cNvPr>
+          <p:cNvSpPr txBox="1"/>
+          <p:nvPr/>
+        </p:nvSpPr>
+        <p:spPr>
+          <a:xfrm>
+            <a:off x="4642417" y="4160139"/>
+            <a:ext cx="698922" cy="400110"/>
+          </a:xfrm>
+          <a:prstGeom prst="rect">
+            <a:avLst/>
+          </a:prstGeom>
+          <a:noFill/>
+        </p:spPr>
+        <p:txBody>
+          <a:bodyPr wrap="square" rtlCol="0">
+            <a:spAutoFit/>
+          </a:bodyPr>
+          <a:lstStyle/>
+          <a:p>
+            <a:endParaRPr lang="en-US" sz="1200" spc="-150" baseline="30000" dirty="0">
+              <a:latin typeface="Symbol" panose="05050102010706020507" pitchFamily="18" charset="2"/>
+            </a:endParaRPr>
+          </a:p>
+          <a:p>
+            <a:pPr algn="ctr"/>
+            <a:r>
+              <a:rPr lang="en-US" sz="1200" dirty="0" err="1">
+                <a:latin typeface="Symbol" panose="05050102010706020507" pitchFamily="18" charset="2"/>
+              </a:rPr>
+              <a:t>b</a:t>
+            </a:r>
+            <a:r>
+              <a:rPr lang="en-US" sz="1200" baseline="-25000" dirty="0" err="1"/>
+              <a:t>defense</a:t>
+            </a:r>
+            <a:endParaRPr lang="en-US" sz="1200" baseline="-25000" dirty="0">
+              <a:latin typeface="Symbol" panose="05050102010706020507" pitchFamily="18" charset="2"/>
+            </a:endParaRPr>
+          </a:p>
+        </p:txBody>
+      </p:sp>
+      <p:sp>
+        <p:nvSpPr>
+          <p:cNvPr id="31" name="Oval 30">
+            <a:extLst>
+              <a:ext uri="{FF2B5EF4-FFF2-40B4-BE49-F238E27FC236}">
+                <a16:creationId xmlns:a16="http://schemas.microsoft.com/office/drawing/2014/main" id="{1A16804D-9130-4407-834C-F9B9919F0CEB}"/>
+              </a:ext>
+            </a:extLst>
+          </p:cNvPr>
+          <p:cNvSpPr/>
+          <p:nvPr/>
+        </p:nvSpPr>
+        <p:spPr>
+          <a:xfrm>
+            <a:off x="3917173" y="2559620"/>
+            <a:ext cx="490620" cy="490620"/>
+          </a:xfrm>
+          <a:prstGeom prst="ellipse">
+            <a:avLst/>
+          </a:prstGeom>
+          <a:noFill/>
+        </p:spPr>
+        <p:style>
+          <a:lnRef idx="2">
+            <a:schemeClr val="accent1">
+              <a:shade val="50000"/>
+            </a:schemeClr>
+          </a:lnRef>
+          <a:fillRef idx="1">
+            <a:schemeClr val="accent1"/>
+          </a:fillRef>
+          <a:effectRef idx="0">
+            <a:schemeClr val="accent1"/>
+          </a:effectRef>
+          <a:fontRef idx="minor">
+            <a:schemeClr val="lt1"/>
+          </a:fontRef>
+        </p:style>
+        <p:txBody>
+          <a:bodyPr rtlCol="0" anchor="ctr"/>
+          <a:lstStyle/>
+          <a:p>
+            <a:pPr algn="ctr"/>
+            <a:endParaRPr lang="en-US" sz="1200" baseline="-25000" dirty="0">
+              <a:solidFill>
+                <a:schemeClr val="tx1"/>
+              </a:solidFill>
+              <a:latin typeface="Symbol" panose="05050102010706020507" pitchFamily="18" charset="2"/>
+            </a:endParaRPr>
+          </a:p>
+        </p:txBody>
+      </p:sp>
+      <p:sp>
+        <p:nvSpPr>
+          <p:cNvPr id="33" name="Oval 32">
+            <a:extLst>
+              <a:ext uri="{FF2B5EF4-FFF2-40B4-BE49-F238E27FC236}">
+                <a16:creationId xmlns:a16="http://schemas.microsoft.com/office/drawing/2014/main" id="{8189B853-B3C2-4768-9FEE-A2B2507E32E6}"/>
+              </a:ext>
+            </a:extLst>
+          </p:cNvPr>
+          <p:cNvSpPr/>
+          <p:nvPr/>
+        </p:nvSpPr>
+        <p:spPr>
+          <a:xfrm>
+            <a:off x="4746568" y="4193468"/>
+            <a:ext cx="490620" cy="490620"/>
+          </a:xfrm>
+          <a:prstGeom prst="ellipse">
+            <a:avLst/>
+          </a:prstGeom>
+          <a:noFill/>
+        </p:spPr>
+        <p:style>
+          <a:lnRef idx="2">
+            <a:schemeClr val="accent1">
+              <a:shade val="50000"/>
+            </a:schemeClr>
+          </a:lnRef>
+          <a:fillRef idx="1">
+            <a:schemeClr val="accent1"/>
+          </a:fillRef>
+          <a:effectRef idx="0">
+            <a:schemeClr val="accent1"/>
+          </a:effectRef>
+          <a:fontRef idx="minor">
+            <a:schemeClr val="lt1"/>
+          </a:fontRef>
+        </p:style>
+        <p:txBody>
+          <a:bodyPr rtlCol="0" anchor="ctr"/>
+          <a:lstStyle/>
+          <a:p>
+            <a:pPr algn="ctr"/>
+            <a:endParaRPr lang="en-US" sz="1200" baseline="-25000" dirty="0">
+              <a:solidFill>
+                <a:schemeClr val="tx1"/>
+              </a:solidFill>
+              <a:latin typeface="Symbol" panose="05050102010706020507" pitchFamily="18" charset="2"/>
+            </a:endParaRPr>
+          </a:p>
+        </p:txBody>
+      </p:sp>
+      <p:cxnSp>
+        <p:nvCxnSpPr>
+          <p:cNvPr id="35" name="Straight Arrow Connector 34">
+            <a:extLst>
+              <a:ext uri="{FF2B5EF4-FFF2-40B4-BE49-F238E27FC236}">
+                <a16:creationId xmlns:a16="http://schemas.microsoft.com/office/drawing/2014/main" id="{BC1450AE-7A12-4873-8DDC-DD2C41444BAA}"/>
+              </a:ext>
+            </a:extLst>
+          </p:cNvPr>
+          <p:cNvCxnSpPr>
+            <a:cxnSpLocks/>
+            <a:stCxn id="33" idx="0"/>
+            <a:endCxn id="4" idx="4"/>
+          </p:cNvCxnSpPr>
+          <p:nvPr/>
+        </p:nvCxnSpPr>
+        <p:spPr>
           <a:xfrm flipV="1">
-            <a:off x="3176215" y="3099954"/>
-            <a:ext cx="697517" cy="33774"/>
+            <a:off x="4991878" y="3624348"/>
+            <a:ext cx="1" cy="569120"/>
+          </a:xfrm>
+          <a:prstGeom prst="straightConnector1">
+            <a:avLst/>
+          </a:prstGeom>
+          <a:ln>
+            <a:tailEnd type="triangle"/>
+          </a:ln>
+        </p:spPr>
+        <p:style>
+          <a:lnRef idx="1">
+            <a:schemeClr val="accent1"/>
+          </a:lnRef>
+          <a:fillRef idx="0">
+            <a:schemeClr val="accent1"/>
+          </a:fillRef>
+          <a:effectRef idx="0">
+            <a:schemeClr val="accent1"/>
+          </a:effectRef>
+          <a:fontRef idx="minor">
+            <a:schemeClr val="tx1"/>
+          </a:fontRef>
+        </p:style>
+      </p:cxnSp>
+      <p:sp>
+        <p:nvSpPr>
+          <p:cNvPr id="37" name="Oval 36">
+            <a:extLst>
+              <a:ext uri="{FF2B5EF4-FFF2-40B4-BE49-F238E27FC236}">
+                <a16:creationId xmlns:a16="http://schemas.microsoft.com/office/drawing/2014/main" id="{7C1AFDFB-E88D-4047-9B5C-EC1C5E36C83E}"/>
+              </a:ext>
+            </a:extLst>
+          </p:cNvPr>
+          <p:cNvSpPr/>
+          <p:nvPr/>
+        </p:nvSpPr>
+        <p:spPr>
+          <a:xfrm>
+            <a:off x="3961392" y="4193468"/>
+            <a:ext cx="490620" cy="490620"/>
+          </a:xfrm>
+          <a:prstGeom prst="ellipse">
+            <a:avLst/>
+          </a:prstGeom>
+          <a:noFill/>
+        </p:spPr>
+        <p:style>
+          <a:lnRef idx="2">
+            <a:schemeClr val="accent1">
+              <a:shade val="50000"/>
+            </a:schemeClr>
+          </a:lnRef>
+          <a:fillRef idx="1">
+            <a:schemeClr val="accent1"/>
+          </a:fillRef>
+          <a:effectRef idx="0">
+            <a:schemeClr val="accent1"/>
+          </a:effectRef>
+          <a:fontRef idx="minor">
+            <a:schemeClr val="lt1"/>
+          </a:fontRef>
+        </p:style>
+        <p:txBody>
+          <a:bodyPr rtlCol="0" anchor="ctr"/>
+          <a:lstStyle/>
+          <a:p>
+            <a:pPr algn="ctr"/>
+            <a:r>
+              <a:rPr lang="en-US" sz="1200" spc="-150" dirty="0">
+                <a:solidFill>
+                  <a:schemeClr val="tx1"/>
+                </a:solidFill>
+                <a:latin typeface="Symbol" panose="05050102010706020507" pitchFamily="18" charset="2"/>
+              </a:rPr>
+              <a:t>d</a:t>
+            </a:r>
+          </a:p>
+        </p:txBody>
+      </p:sp>
+      <p:cxnSp>
+        <p:nvCxnSpPr>
+          <p:cNvPr id="38" name="Straight Arrow Connector 37">
+            <a:extLst>
+              <a:ext uri="{FF2B5EF4-FFF2-40B4-BE49-F238E27FC236}">
+                <a16:creationId xmlns:a16="http://schemas.microsoft.com/office/drawing/2014/main" id="{8C0F7FD4-EC41-47C9-8196-776BBC561961}"/>
+              </a:ext>
+            </a:extLst>
+          </p:cNvPr>
+          <p:cNvCxnSpPr>
+            <a:cxnSpLocks/>
+            <a:stCxn id="37" idx="6"/>
+            <a:endCxn id="33" idx="2"/>
+          </p:cNvCxnSpPr>
+          <p:nvPr/>
+        </p:nvCxnSpPr>
+        <p:spPr>
+          <a:xfrm>
+            <a:off x="4452012" y="4438778"/>
+            <a:ext cx="294556" cy="0"/>
           </a:xfrm>
           <a:prstGeom prst="straightConnector1">
             <a:avLst/>
@@ -4410,23 +4575,23 @@
       </p:cxnSp>
       <p:cxnSp>
         <p:nvCxnSpPr>
-          <p:cNvPr id="38" name="Straight Arrow Connector 37">
-            <a:extLst>
-              <a:ext uri="{FF2B5EF4-FFF2-40B4-BE49-F238E27FC236}">
-                <a16:creationId xmlns:a16="http://schemas.microsoft.com/office/drawing/2014/main" id="{4B956A04-8FA8-40CA-876F-E34C13269B4C}"/>
+          <p:cNvPr id="41" name="Straight Arrow Connector 40">
+            <a:extLst>
+              <a:ext uri="{FF2B5EF4-FFF2-40B4-BE49-F238E27FC236}">
+                <a16:creationId xmlns:a16="http://schemas.microsoft.com/office/drawing/2014/main" id="{2B2D5C0E-C371-46DA-A270-0BD5E439CEB7}"/>
               </a:ext>
             </a:extLst>
           </p:cNvPr>
           <p:cNvCxnSpPr>
-            <a:stCxn id="24" idx="6"/>
-            <a:endCxn id="6" idx="2"/>
+            <a:cxnSpLocks/>
+            <a:endCxn id="4" idx="1"/>
           </p:cNvCxnSpPr>
           <p:nvPr/>
         </p:nvCxnSpPr>
         <p:spPr>
           <a:xfrm>
-            <a:off x="3184110" y="3758047"/>
-            <a:ext cx="689622" cy="0"/>
+            <a:off x="4414976" y="2838053"/>
+            <a:ext cx="403442" cy="367525"/>
           </a:xfrm>
           <a:prstGeom prst="straightConnector1">
             <a:avLst/>
@@ -4450,958 +4615,6 @@
           </a:fontRef>
         </p:style>
       </p:cxnSp>
-      <p:cxnSp>
-        <p:nvCxnSpPr>
-          <p:cNvPr id="42" name="Straight Arrow Connector 41">
-            <a:extLst>
-              <a:ext uri="{FF2B5EF4-FFF2-40B4-BE49-F238E27FC236}">
-                <a16:creationId xmlns:a16="http://schemas.microsoft.com/office/drawing/2014/main" id="{A608E9F6-4FA1-404E-8492-1C4F2BFDF9A9}"/>
-              </a:ext>
-            </a:extLst>
-          </p:cNvPr>
-          <p:cNvCxnSpPr>
-            <a:stCxn id="29" idx="3"/>
-            <a:endCxn id="6" idx="2"/>
-          </p:cNvCxnSpPr>
-          <p:nvPr/>
-        </p:nvCxnSpPr>
-        <p:spPr>
-          <a:xfrm flipV="1">
-            <a:off x="3188493" y="3758047"/>
-            <a:ext cx="685239" cy="511699"/>
-          </a:xfrm>
-          <a:prstGeom prst="straightConnector1">
-            <a:avLst/>
-          </a:prstGeom>
-          <a:ln>
-            <a:tailEnd type="triangle"/>
-          </a:ln>
-        </p:spPr>
-        <p:style>
-          <a:lnRef idx="1">
-            <a:schemeClr val="accent1"/>
-          </a:lnRef>
-          <a:fillRef idx="0">
-            <a:schemeClr val="accent1"/>
-          </a:fillRef>
-          <a:effectRef idx="0">
-            <a:schemeClr val="accent1"/>
-          </a:effectRef>
-          <a:fontRef idx="minor">
-            <a:schemeClr val="tx1"/>
-          </a:fontRef>
-        </p:style>
-      </p:cxnSp>
-      <p:sp>
-        <p:nvSpPr>
-          <p:cNvPr id="44" name="TextBox 43">
-            <a:extLst>
-              <a:ext uri="{FF2B5EF4-FFF2-40B4-BE49-F238E27FC236}">
-                <a16:creationId xmlns:a16="http://schemas.microsoft.com/office/drawing/2014/main" id="{AB4B8508-3514-457C-85EF-B2451679BB77}"/>
-              </a:ext>
-            </a:extLst>
-          </p:cNvPr>
-          <p:cNvSpPr txBox="1"/>
-          <p:nvPr/>
-        </p:nvSpPr>
-        <p:spPr>
-          <a:xfrm>
-            <a:off x="4883812" y="3807022"/>
-            <a:ext cx="1025236" cy="307777"/>
-          </a:xfrm>
-          <a:prstGeom prst="rect">
-            <a:avLst/>
-          </a:prstGeom>
-          <a:noFill/>
-        </p:spPr>
-        <p:txBody>
-          <a:bodyPr wrap="square" rtlCol="0">
-            <a:spAutoFit/>
-          </a:bodyPr>
-          <a:lstStyle/>
-          <a:p>
-            <a:r>
-              <a:rPr lang="en-US" sz="1400" dirty="0" err="1"/>
-              <a:t>n</a:t>
-            </a:r>
-            <a:r>
-              <a:rPr lang="en-US" sz="1400" baseline="-25000" dirty="0" err="1"/>
-              <a:t>j</a:t>
-            </a:r>
-            <a:r>
-              <a:rPr lang="en-US" sz="1400" dirty="0"/>
-              <a:t>=12</a:t>
-            </a:r>
-          </a:p>
-        </p:txBody>
-      </p:sp>
-    </p:spTree>
-    <p:extLst>
-      <p:ext uri="{BB962C8B-B14F-4D97-AF65-F5344CB8AC3E}">
-        <p14:creationId xmlns:p14="http://schemas.microsoft.com/office/powerpoint/2010/main" val="1619765535"/>
-      </p:ext>
-    </p:extLst>
-  </p:cSld>
-  <p:clrMapOvr>
-    <a:masterClrMapping/>
-  </p:clrMapOvr>
-</p:sld>
-</file>
-
-<file path=ppt/slides/slide2.xml><?xml version="1.0" encoding="utf-8"?>
-<p:sld xmlns:a="http://schemas.openxmlformats.org/drawingml/2006/main" xmlns:r="http://schemas.openxmlformats.org/officeDocument/2006/relationships" xmlns:p="http://schemas.openxmlformats.org/presentationml/2006/main">
-  <p:cSld>
-    <p:spTree>
-      <p:nvGrpSpPr>
-        <p:cNvPr id="1" name=""/>
-        <p:cNvGrpSpPr/>
-        <p:nvPr/>
-      </p:nvGrpSpPr>
-      <p:grpSpPr>
-        <a:xfrm>
-          <a:off x="0" y="0"/>
-          <a:ext cx="0" cy="0"/>
-          <a:chOff x="0" y="0"/>
-          <a:chExt cx="0" cy="0"/>
-        </a:xfrm>
-      </p:grpSpPr>
-      <p:sp>
-        <p:nvSpPr>
-          <p:cNvPr id="4" name="Oval 3">
-            <a:extLst>
-              <a:ext uri="{FF2B5EF4-FFF2-40B4-BE49-F238E27FC236}">
-                <a16:creationId xmlns:a16="http://schemas.microsoft.com/office/drawing/2014/main" id="{09F9BA5E-283F-446C-BACB-2059DA4537F3}"/>
-              </a:ext>
-            </a:extLst>
-          </p:cNvPr>
-          <p:cNvSpPr/>
-          <p:nvPr/>
-        </p:nvSpPr>
-        <p:spPr>
-          <a:xfrm>
-            <a:off x="4746569" y="3133729"/>
-            <a:ext cx="490619" cy="490619"/>
-          </a:xfrm>
-          <a:prstGeom prst="ellipse">
-            <a:avLst/>
-          </a:prstGeom>
-          <a:solidFill>
-            <a:schemeClr val="bg2"/>
-          </a:solidFill>
-        </p:spPr>
-        <p:style>
-          <a:lnRef idx="2">
-            <a:schemeClr val="accent1">
-              <a:shade val="50000"/>
-            </a:schemeClr>
-          </a:lnRef>
-          <a:fillRef idx="1">
-            <a:schemeClr val="accent1"/>
-          </a:fillRef>
-          <a:effectRef idx="0">
-            <a:schemeClr val="accent1"/>
-          </a:effectRef>
-          <a:fontRef idx="minor">
-            <a:schemeClr val="lt1"/>
-          </a:fontRef>
-        </p:style>
-        <p:txBody>
-          <a:bodyPr rtlCol="0" anchor="ctr"/>
-          <a:lstStyle/>
-          <a:p>
-            <a:pPr algn="ctr"/>
-            <a:r>
-              <a:rPr lang="en-US" sz="1200" dirty="0">
-                <a:solidFill>
-                  <a:schemeClr val="tx1"/>
-                </a:solidFill>
-              </a:rPr>
-              <a:t>y</a:t>
-            </a:r>
-          </a:p>
-        </p:txBody>
-      </p:sp>
-      <p:sp>
-        <p:nvSpPr>
-          <p:cNvPr id="5" name="Oval 4">
-            <a:extLst>
-              <a:ext uri="{FF2B5EF4-FFF2-40B4-BE49-F238E27FC236}">
-                <a16:creationId xmlns:a16="http://schemas.microsoft.com/office/drawing/2014/main" id="{45256029-F3F6-49D5-A4C3-614EC9674EAF}"/>
-              </a:ext>
-            </a:extLst>
-          </p:cNvPr>
-          <p:cNvSpPr/>
-          <p:nvPr/>
-        </p:nvSpPr>
-        <p:spPr>
-          <a:xfrm>
-            <a:off x="3915085" y="3133728"/>
-            <a:ext cx="490620" cy="490620"/>
-          </a:xfrm>
-          <a:prstGeom prst="ellipse">
-            <a:avLst/>
-          </a:prstGeom>
-          <a:noFill/>
-        </p:spPr>
-        <p:style>
-          <a:lnRef idx="2">
-            <a:schemeClr val="accent1">
-              <a:shade val="50000"/>
-            </a:schemeClr>
-          </a:lnRef>
-          <a:fillRef idx="1">
-            <a:schemeClr val="accent1"/>
-          </a:fillRef>
-          <a:effectRef idx="0">
-            <a:schemeClr val="accent1"/>
-          </a:effectRef>
-          <a:fontRef idx="minor">
-            <a:schemeClr val="lt1"/>
-          </a:fontRef>
-        </p:style>
-        <p:txBody>
-          <a:bodyPr rtlCol="0" anchor="ctr"/>
-          <a:lstStyle/>
-          <a:p>
-            <a:pPr algn="ctr"/>
-            <a:r>
-              <a:rPr lang="en-US" sz="1200" dirty="0">
-                <a:solidFill>
-                  <a:schemeClr val="tx1"/>
-                </a:solidFill>
-                <a:latin typeface="Symbol" panose="05050102010706020507" pitchFamily="18" charset="2"/>
-              </a:rPr>
-              <a:t>b</a:t>
-            </a:r>
-            <a:endParaRPr lang="en-US" sz="1200" baseline="-25000" dirty="0">
-              <a:solidFill>
-                <a:schemeClr val="tx1"/>
-              </a:solidFill>
-              <a:latin typeface="Symbol" panose="05050102010706020507" pitchFamily="18" charset="2"/>
-            </a:endParaRPr>
-          </a:p>
-        </p:txBody>
-      </p:sp>
-      <p:sp>
-        <p:nvSpPr>
-          <p:cNvPr id="8" name="Oval 7">
-            <a:extLst>
-              <a:ext uri="{FF2B5EF4-FFF2-40B4-BE49-F238E27FC236}">
-                <a16:creationId xmlns:a16="http://schemas.microsoft.com/office/drawing/2014/main" id="{D485710D-59E1-48F6-A39E-3046D177F6C7}"/>
-              </a:ext>
-            </a:extLst>
-          </p:cNvPr>
-          <p:cNvSpPr/>
-          <p:nvPr/>
-        </p:nvSpPr>
-        <p:spPr>
-          <a:xfrm>
-            <a:off x="4746569" y="2084940"/>
-            <a:ext cx="490620" cy="490620"/>
-          </a:xfrm>
-          <a:prstGeom prst="ellipse">
-            <a:avLst/>
-          </a:prstGeom>
-          <a:noFill/>
-          <a:ln>
-            <a:noFill/>
-          </a:ln>
-        </p:spPr>
-        <p:style>
-          <a:lnRef idx="2">
-            <a:schemeClr val="accent1">
-              <a:shade val="50000"/>
-            </a:schemeClr>
-          </a:lnRef>
-          <a:fillRef idx="1">
-            <a:schemeClr val="accent1"/>
-          </a:fillRef>
-          <a:effectRef idx="0">
-            <a:schemeClr val="accent1"/>
-          </a:effectRef>
-          <a:fontRef idx="minor">
-            <a:schemeClr val="lt1"/>
-          </a:fontRef>
-        </p:style>
-        <p:txBody>
-          <a:bodyPr rtlCol="0" anchor="ctr"/>
-          <a:lstStyle/>
-          <a:p>
-            <a:pPr algn="ctr"/>
-            <a:r>
-              <a:rPr lang="en-US" sz="1200" dirty="0">
-                <a:solidFill>
-                  <a:schemeClr val="tx1"/>
-                </a:solidFill>
-              </a:rPr>
-              <a:t>X</a:t>
-            </a:r>
-            <a:endParaRPr lang="en-US" sz="1200" baseline="-25000" dirty="0">
-              <a:solidFill>
-                <a:schemeClr val="tx1"/>
-              </a:solidFill>
-            </a:endParaRPr>
-          </a:p>
-        </p:txBody>
-      </p:sp>
-      <p:cxnSp>
-        <p:nvCxnSpPr>
-          <p:cNvPr id="10" name="Straight Arrow Connector 9">
-            <a:extLst>
-              <a:ext uri="{FF2B5EF4-FFF2-40B4-BE49-F238E27FC236}">
-                <a16:creationId xmlns:a16="http://schemas.microsoft.com/office/drawing/2014/main" id="{D1F2601F-36ED-4A0C-AEF8-56B4D9BAB2A3}"/>
-              </a:ext>
-            </a:extLst>
-          </p:cNvPr>
-          <p:cNvCxnSpPr>
-            <a:stCxn id="8" idx="4"/>
-            <a:endCxn id="4" idx="0"/>
-          </p:cNvCxnSpPr>
-          <p:nvPr/>
-        </p:nvCxnSpPr>
-        <p:spPr>
-          <a:xfrm>
-            <a:off x="4991879" y="2575560"/>
-            <a:ext cx="0" cy="558169"/>
-          </a:xfrm>
-          <a:prstGeom prst="straightConnector1">
-            <a:avLst/>
-          </a:prstGeom>
-          <a:ln>
-            <a:tailEnd type="triangle"/>
-          </a:ln>
-        </p:spPr>
-        <p:style>
-          <a:lnRef idx="1">
-            <a:schemeClr val="accent1"/>
-          </a:lnRef>
-          <a:fillRef idx="0">
-            <a:schemeClr val="accent1"/>
-          </a:fillRef>
-          <a:effectRef idx="0">
-            <a:schemeClr val="accent1"/>
-          </a:effectRef>
-          <a:fontRef idx="minor">
-            <a:schemeClr val="tx1"/>
-          </a:fontRef>
-        </p:style>
-      </p:cxnSp>
-      <p:cxnSp>
-        <p:nvCxnSpPr>
-          <p:cNvPr id="13" name="Straight Arrow Connector 12">
-            <a:extLst>
-              <a:ext uri="{FF2B5EF4-FFF2-40B4-BE49-F238E27FC236}">
-                <a16:creationId xmlns:a16="http://schemas.microsoft.com/office/drawing/2014/main" id="{AF9E2EE0-C633-4553-A612-2D1D824231CC}"/>
-              </a:ext>
-            </a:extLst>
-          </p:cNvPr>
-          <p:cNvCxnSpPr>
-            <a:stCxn id="5" idx="6"/>
-            <a:endCxn id="4" idx="2"/>
-          </p:cNvCxnSpPr>
-          <p:nvPr/>
-        </p:nvCxnSpPr>
-        <p:spPr>
-          <a:xfrm>
-            <a:off x="4405705" y="3379038"/>
-            <a:ext cx="340864" cy="1"/>
-          </a:xfrm>
-          <a:prstGeom prst="straightConnector1">
-            <a:avLst/>
-          </a:prstGeom>
-          <a:ln>
-            <a:tailEnd type="triangle"/>
-          </a:ln>
-        </p:spPr>
-        <p:style>
-          <a:lnRef idx="1">
-            <a:schemeClr val="accent1"/>
-          </a:lnRef>
-          <a:fillRef idx="0">
-            <a:schemeClr val="accent1"/>
-          </a:fillRef>
-          <a:effectRef idx="0">
-            <a:schemeClr val="accent1"/>
-          </a:effectRef>
-          <a:fontRef idx="minor">
-            <a:schemeClr val="tx1"/>
-          </a:fontRef>
-        </p:style>
-      </p:cxnSp>
-      <p:sp>
-        <p:nvSpPr>
-          <p:cNvPr id="16" name="Rectangle: Rounded Corners 15">
-            <a:extLst>
-              <a:ext uri="{FF2B5EF4-FFF2-40B4-BE49-F238E27FC236}">
-                <a16:creationId xmlns:a16="http://schemas.microsoft.com/office/drawing/2014/main" id="{5D5EFA57-F953-496C-87C0-78B047E3D3F2}"/>
-              </a:ext>
-            </a:extLst>
-          </p:cNvPr>
-          <p:cNvSpPr/>
-          <p:nvPr/>
-        </p:nvSpPr>
-        <p:spPr>
-          <a:xfrm>
-            <a:off x="4555460" y="1903615"/>
-            <a:ext cx="906002" cy="2219498"/>
-          </a:xfrm>
-          <a:prstGeom prst="roundRect">
-            <a:avLst/>
-          </a:prstGeom>
-          <a:noFill/>
-        </p:spPr>
-        <p:style>
-          <a:lnRef idx="2">
-            <a:schemeClr val="accent1">
-              <a:shade val="50000"/>
-            </a:schemeClr>
-          </a:lnRef>
-          <a:fillRef idx="1">
-            <a:schemeClr val="accent1"/>
-          </a:fillRef>
-          <a:effectRef idx="0">
-            <a:schemeClr val="accent1"/>
-          </a:effectRef>
-          <a:fontRef idx="minor">
-            <a:schemeClr val="lt1"/>
-          </a:fontRef>
-        </p:style>
-        <p:txBody>
-          <a:bodyPr rtlCol="0" anchor="ctr"/>
-          <a:lstStyle/>
-          <a:p>
-            <a:pPr algn="ctr"/>
-            <a:endParaRPr lang="en-US"/>
-          </a:p>
-        </p:txBody>
-      </p:sp>
-      <p:sp>
-        <p:nvSpPr>
-          <p:cNvPr id="17" name="Oval 16">
-            <a:extLst>
-              <a:ext uri="{FF2B5EF4-FFF2-40B4-BE49-F238E27FC236}">
-                <a16:creationId xmlns:a16="http://schemas.microsoft.com/office/drawing/2014/main" id="{0641B2DC-6F5F-4B0A-AC91-32275A671385}"/>
-              </a:ext>
-            </a:extLst>
-          </p:cNvPr>
-          <p:cNvSpPr/>
-          <p:nvPr/>
-        </p:nvSpPr>
-        <p:spPr>
-          <a:xfrm>
-            <a:off x="6037979" y="3116841"/>
-            <a:ext cx="490620" cy="490620"/>
-          </a:xfrm>
-          <a:prstGeom prst="ellipse">
-            <a:avLst/>
-          </a:prstGeom>
-          <a:noFill/>
-        </p:spPr>
-        <p:style>
-          <a:lnRef idx="2">
-            <a:schemeClr val="accent1">
-              <a:shade val="50000"/>
-            </a:schemeClr>
-          </a:lnRef>
-          <a:fillRef idx="1">
-            <a:schemeClr val="accent1"/>
-          </a:fillRef>
-          <a:effectRef idx="0">
-            <a:schemeClr val="accent1"/>
-          </a:effectRef>
-          <a:fontRef idx="minor">
-            <a:schemeClr val="lt1"/>
-          </a:fontRef>
-        </p:style>
-        <p:txBody>
-          <a:bodyPr rtlCol="0" anchor="ctr"/>
-          <a:lstStyle/>
-          <a:p>
-            <a:pPr algn="ctr"/>
-            <a:endParaRPr lang="en-US" sz="1000" baseline="30000" dirty="0">
-              <a:solidFill>
-                <a:schemeClr val="tx1"/>
-              </a:solidFill>
-            </a:endParaRPr>
-          </a:p>
-        </p:txBody>
-      </p:sp>
-      <p:cxnSp>
-        <p:nvCxnSpPr>
-          <p:cNvPr id="19" name="Straight Arrow Connector 18">
-            <a:extLst>
-              <a:ext uri="{FF2B5EF4-FFF2-40B4-BE49-F238E27FC236}">
-                <a16:creationId xmlns:a16="http://schemas.microsoft.com/office/drawing/2014/main" id="{06895215-6D5A-475B-B002-BD779F8FC37C}"/>
-              </a:ext>
-            </a:extLst>
-          </p:cNvPr>
-          <p:cNvCxnSpPr>
-            <a:stCxn id="17" idx="2"/>
-            <a:endCxn id="4" idx="6"/>
-          </p:cNvCxnSpPr>
-          <p:nvPr/>
-        </p:nvCxnSpPr>
-        <p:spPr>
-          <a:xfrm flipH="1">
-            <a:off x="5237188" y="3362151"/>
-            <a:ext cx="800791" cy="16888"/>
-          </a:xfrm>
-          <a:prstGeom prst="straightConnector1">
-            <a:avLst/>
-          </a:prstGeom>
-          <a:ln>
-            <a:tailEnd type="triangle"/>
-          </a:ln>
-        </p:spPr>
-        <p:style>
-          <a:lnRef idx="1">
-            <a:schemeClr val="accent1"/>
-          </a:lnRef>
-          <a:fillRef idx="0">
-            <a:schemeClr val="accent1"/>
-          </a:fillRef>
-          <a:effectRef idx="0">
-            <a:schemeClr val="accent1"/>
-          </a:effectRef>
-          <a:fontRef idx="minor">
-            <a:schemeClr val="tx1"/>
-          </a:fontRef>
-        </p:style>
-      </p:cxnSp>
-      <p:sp>
-        <p:nvSpPr>
-          <p:cNvPr id="20" name="Rectangle: Rounded Corners 19">
-            <a:extLst>
-              <a:ext uri="{FF2B5EF4-FFF2-40B4-BE49-F238E27FC236}">
-                <a16:creationId xmlns:a16="http://schemas.microsoft.com/office/drawing/2014/main" id="{5AF6BD10-B490-4C82-AE4F-EC2B2C98040C}"/>
-              </a:ext>
-            </a:extLst>
-          </p:cNvPr>
-          <p:cNvSpPr/>
-          <p:nvPr/>
-        </p:nvSpPr>
-        <p:spPr>
-          <a:xfrm>
-            <a:off x="3666835" y="1413164"/>
-            <a:ext cx="2113281" cy="3168072"/>
-          </a:xfrm>
-          <a:prstGeom prst="roundRect">
-            <a:avLst/>
-          </a:prstGeom>
-          <a:noFill/>
-        </p:spPr>
-        <p:style>
-          <a:lnRef idx="2">
-            <a:schemeClr val="accent1">
-              <a:shade val="50000"/>
-            </a:schemeClr>
-          </a:lnRef>
-          <a:fillRef idx="1">
-            <a:schemeClr val="accent1"/>
-          </a:fillRef>
-          <a:effectRef idx="0">
-            <a:schemeClr val="accent1"/>
-          </a:effectRef>
-          <a:fontRef idx="minor">
-            <a:schemeClr val="lt1"/>
-          </a:fontRef>
-        </p:style>
-        <p:txBody>
-          <a:bodyPr rtlCol="0" anchor="ctr"/>
-          <a:lstStyle/>
-          <a:p>
-            <a:pPr algn="ctr"/>
-            <a:endParaRPr lang="en-US"/>
-          </a:p>
-        </p:txBody>
-      </p:sp>
-      <p:sp>
-        <p:nvSpPr>
-          <p:cNvPr id="21" name="TextBox 20">
-            <a:extLst>
-              <a:ext uri="{FF2B5EF4-FFF2-40B4-BE49-F238E27FC236}">
-                <a16:creationId xmlns:a16="http://schemas.microsoft.com/office/drawing/2014/main" id="{76CE0DC3-E0F9-49EF-8899-38727190A2AA}"/>
-              </a:ext>
-            </a:extLst>
-          </p:cNvPr>
-          <p:cNvSpPr txBox="1"/>
-          <p:nvPr/>
-        </p:nvSpPr>
-        <p:spPr>
-          <a:xfrm>
-            <a:off x="5341621" y="4202290"/>
-            <a:ext cx="239682" cy="378946"/>
-          </a:xfrm>
-          <a:prstGeom prst="rect">
-            <a:avLst/>
-          </a:prstGeom>
-          <a:noFill/>
-        </p:spPr>
-        <p:txBody>
-          <a:bodyPr wrap="square" rtlCol="0">
-            <a:spAutoFit/>
-          </a:bodyPr>
-          <a:lstStyle/>
-          <a:p>
-            <a:r>
-              <a:rPr lang="en-US" dirty="0"/>
-              <a:t>J</a:t>
-            </a:r>
-          </a:p>
-        </p:txBody>
-      </p:sp>
-      <p:sp>
-        <p:nvSpPr>
-          <p:cNvPr id="22" name="Oval 21">
-            <a:extLst>
-              <a:ext uri="{FF2B5EF4-FFF2-40B4-BE49-F238E27FC236}">
-                <a16:creationId xmlns:a16="http://schemas.microsoft.com/office/drawing/2014/main" id="{3077F3F0-CBC3-4668-A503-25344EE3E0A8}"/>
-              </a:ext>
-            </a:extLst>
-          </p:cNvPr>
-          <p:cNvSpPr/>
-          <p:nvPr/>
-        </p:nvSpPr>
-        <p:spPr>
-          <a:xfrm>
-            <a:off x="2678121" y="2836540"/>
-            <a:ext cx="490620" cy="490620"/>
-          </a:xfrm>
-          <a:prstGeom prst="ellipse">
-            <a:avLst/>
-          </a:prstGeom>
-          <a:noFill/>
-        </p:spPr>
-        <p:style>
-          <a:lnRef idx="2">
-            <a:schemeClr val="accent1">
-              <a:shade val="50000"/>
-            </a:schemeClr>
-          </a:lnRef>
-          <a:fillRef idx="1">
-            <a:schemeClr val="accent1"/>
-          </a:fillRef>
-          <a:effectRef idx="0">
-            <a:schemeClr val="accent1"/>
-          </a:effectRef>
-          <a:fontRef idx="minor">
-            <a:schemeClr val="lt1"/>
-          </a:fontRef>
-        </p:style>
-        <p:txBody>
-          <a:bodyPr rtlCol="0" anchor="ctr"/>
-          <a:lstStyle/>
-          <a:p>
-            <a:pPr algn="ctr"/>
-            <a:r>
-              <a:rPr lang="en-US" sz="1200" dirty="0" err="1">
-                <a:solidFill>
-                  <a:schemeClr val="tx1"/>
-                </a:solidFill>
-                <a:latin typeface="Symbol" panose="05050102010706020507" pitchFamily="18" charset="2"/>
-              </a:rPr>
-              <a:t>m</a:t>
-            </a:r>
-            <a:r>
-              <a:rPr lang="en-US" sz="1200" baseline="-25000" dirty="0" err="1">
-                <a:solidFill>
-                  <a:schemeClr val="tx1"/>
-                </a:solidFill>
-                <a:latin typeface="Symbol" panose="05050102010706020507" pitchFamily="18" charset="2"/>
-              </a:rPr>
-              <a:t>b</a:t>
-            </a:r>
-            <a:endParaRPr lang="en-US" sz="1200" baseline="-25000" dirty="0">
-              <a:solidFill>
-                <a:schemeClr val="tx1"/>
-              </a:solidFill>
-              <a:latin typeface="Symbol" panose="05050102010706020507" pitchFamily="18" charset="2"/>
-            </a:endParaRPr>
-          </a:p>
-        </p:txBody>
-      </p:sp>
-      <p:sp>
-        <p:nvSpPr>
-          <p:cNvPr id="25" name="Oval 24">
-            <a:extLst>
-              <a:ext uri="{FF2B5EF4-FFF2-40B4-BE49-F238E27FC236}">
-                <a16:creationId xmlns:a16="http://schemas.microsoft.com/office/drawing/2014/main" id="{7EF3CFC5-0598-4F1C-A90B-DC1E1D94F2A5}"/>
-              </a:ext>
-            </a:extLst>
-          </p:cNvPr>
-          <p:cNvSpPr/>
-          <p:nvPr/>
-        </p:nvSpPr>
-        <p:spPr>
-          <a:xfrm>
-            <a:off x="2678121" y="3437639"/>
-            <a:ext cx="490620" cy="490620"/>
-          </a:xfrm>
-          <a:prstGeom prst="ellipse">
-            <a:avLst/>
-          </a:prstGeom>
-          <a:noFill/>
-        </p:spPr>
-        <p:style>
-          <a:lnRef idx="2">
-            <a:schemeClr val="accent1">
-              <a:shade val="50000"/>
-            </a:schemeClr>
-          </a:lnRef>
-          <a:fillRef idx="1">
-            <a:schemeClr val="accent1"/>
-          </a:fillRef>
-          <a:effectRef idx="0">
-            <a:schemeClr val="accent1"/>
-          </a:effectRef>
-          <a:fontRef idx="minor">
-            <a:schemeClr val="lt1"/>
-          </a:fontRef>
-        </p:style>
-        <p:txBody>
-          <a:bodyPr rtlCol="0" anchor="ctr"/>
-          <a:lstStyle/>
-          <a:p>
-            <a:pPr algn="ctr"/>
-            <a:endParaRPr lang="en-US" sz="1200" spc="-150" baseline="30000" dirty="0">
-              <a:solidFill>
-                <a:schemeClr val="tx1"/>
-              </a:solidFill>
-              <a:latin typeface="Symbol" panose="05050102010706020507" pitchFamily="18" charset="2"/>
-            </a:endParaRPr>
-          </a:p>
-        </p:txBody>
-      </p:sp>
-      <p:sp>
-        <p:nvSpPr>
-          <p:cNvPr id="27" name="TextBox 26">
-            <a:extLst>
-              <a:ext uri="{FF2B5EF4-FFF2-40B4-BE49-F238E27FC236}">
-                <a16:creationId xmlns:a16="http://schemas.microsoft.com/office/drawing/2014/main" id="{DF5FF4C3-1671-4022-B19E-5A2A9138B297}"/>
-              </a:ext>
-            </a:extLst>
-          </p:cNvPr>
-          <p:cNvSpPr txBox="1"/>
-          <p:nvPr/>
-        </p:nvSpPr>
-        <p:spPr>
-          <a:xfrm>
-            <a:off x="2752767" y="3408904"/>
-            <a:ext cx="565729" cy="430887"/>
-          </a:xfrm>
-          <a:prstGeom prst="rect">
-            <a:avLst/>
-          </a:prstGeom>
-          <a:noFill/>
-        </p:spPr>
-        <p:txBody>
-          <a:bodyPr wrap="square" rtlCol="0">
-            <a:spAutoFit/>
-          </a:bodyPr>
-          <a:lstStyle/>
-          <a:p>
-            <a:endParaRPr lang="en-US" sz="1200" spc="-150" baseline="30000" dirty="0">
-              <a:latin typeface="Symbol" panose="05050102010706020507" pitchFamily="18" charset="2"/>
-            </a:endParaRPr>
-          </a:p>
-          <a:p>
-            <a:r>
-              <a:rPr lang="en-US" sz="1400" spc="-150" dirty="0">
-                <a:latin typeface="Symbol" panose="05050102010706020507" pitchFamily="18" charset="2"/>
-              </a:rPr>
-              <a:t>S</a:t>
-            </a:r>
-            <a:r>
-              <a:rPr lang="en-US" sz="1400" spc="-150" baseline="-25000" dirty="0">
-                <a:latin typeface="Symbol" panose="05050102010706020507" pitchFamily="18" charset="2"/>
-              </a:rPr>
-              <a:t>b</a:t>
-            </a:r>
-            <a:endParaRPr lang="en-US" sz="1400" dirty="0"/>
-          </a:p>
-        </p:txBody>
-      </p:sp>
-      <p:sp>
-        <p:nvSpPr>
-          <p:cNvPr id="30" name="TextBox 29">
-            <a:extLst>
-              <a:ext uri="{FF2B5EF4-FFF2-40B4-BE49-F238E27FC236}">
-                <a16:creationId xmlns:a16="http://schemas.microsoft.com/office/drawing/2014/main" id="{7BB47643-718A-4218-A459-2E87B794064F}"/>
-              </a:ext>
-            </a:extLst>
-          </p:cNvPr>
-          <p:cNvSpPr txBox="1"/>
-          <p:nvPr/>
-        </p:nvSpPr>
-        <p:spPr>
-          <a:xfrm>
-            <a:off x="6098141" y="3081850"/>
-            <a:ext cx="430457" cy="430887"/>
-          </a:xfrm>
-          <a:prstGeom prst="rect">
-            <a:avLst/>
-          </a:prstGeom>
-          <a:noFill/>
-        </p:spPr>
-        <p:txBody>
-          <a:bodyPr wrap="square" rtlCol="0">
-            <a:spAutoFit/>
-          </a:bodyPr>
-          <a:lstStyle/>
-          <a:p>
-            <a:endParaRPr lang="en-US" sz="1200" spc="-150" baseline="30000" dirty="0">
-              <a:latin typeface="Symbol" panose="05050102010706020507" pitchFamily="18" charset="2"/>
-            </a:endParaRPr>
-          </a:p>
-          <a:p>
-            <a:r>
-              <a:rPr lang="en-US" sz="1400" spc="-150" dirty="0">
-                <a:latin typeface="Symbol" panose="05050102010706020507" pitchFamily="18" charset="2"/>
-              </a:rPr>
-              <a:t>s</a:t>
-            </a:r>
-            <a:r>
-              <a:rPr lang="en-US" sz="1400" spc="-150" baseline="-25000" dirty="0"/>
-              <a:t>y</a:t>
-            </a:r>
-            <a:r>
-              <a:rPr lang="en-US" sz="1400" spc="-150" baseline="30000" dirty="0">
-                <a:latin typeface="Symbol" panose="05050102010706020507" pitchFamily="18" charset="2"/>
-              </a:rPr>
-              <a:t>2</a:t>
-            </a:r>
-            <a:endParaRPr lang="en-US" sz="1400" dirty="0"/>
-          </a:p>
-        </p:txBody>
-      </p:sp>
-      <p:cxnSp>
-        <p:nvCxnSpPr>
-          <p:cNvPr id="32" name="Straight Arrow Connector 31">
-            <a:extLst>
-              <a:ext uri="{FF2B5EF4-FFF2-40B4-BE49-F238E27FC236}">
-                <a16:creationId xmlns:a16="http://schemas.microsoft.com/office/drawing/2014/main" id="{9B1E81E9-4706-4FDE-B0D5-DB329F10EEDA}"/>
-              </a:ext>
-            </a:extLst>
-          </p:cNvPr>
-          <p:cNvCxnSpPr>
-            <a:stCxn id="22" idx="6"/>
-            <a:endCxn id="5" idx="2"/>
-          </p:cNvCxnSpPr>
-          <p:nvPr/>
-        </p:nvCxnSpPr>
-        <p:spPr>
-          <a:xfrm>
-            <a:off x="3168741" y="3081850"/>
-            <a:ext cx="746344" cy="297188"/>
-          </a:xfrm>
-          <a:prstGeom prst="straightConnector1">
-            <a:avLst/>
-          </a:prstGeom>
-          <a:ln>
-            <a:tailEnd type="triangle"/>
-          </a:ln>
-        </p:spPr>
-        <p:style>
-          <a:lnRef idx="1">
-            <a:schemeClr val="accent1"/>
-          </a:lnRef>
-          <a:fillRef idx="0">
-            <a:schemeClr val="accent1"/>
-          </a:fillRef>
-          <a:effectRef idx="0">
-            <a:schemeClr val="accent1"/>
-          </a:effectRef>
-          <a:fontRef idx="minor">
-            <a:schemeClr val="tx1"/>
-          </a:fontRef>
-        </p:style>
-      </p:cxnSp>
-      <p:cxnSp>
-        <p:nvCxnSpPr>
-          <p:cNvPr id="34" name="Straight Arrow Connector 33">
-            <a:extLst>
-              <a:ext uri="{FF2B5EF4-FFF2-40B4-BE49-F238E27FC236}">
-                <a16:creationId xmlns:a16="http://schemas.microsoft.com/office/drawing/2014/main" id="{14BF6578-5065-4D39-984C-9D6A0DAD32F9}"/>
-              </a:ext>
-            </a:extLst>
-          </p:cNvPr>
-          <p:cNvCxnSpPr>
-            <a:cxnSpLocks/>
-            <a:stCxn id="25" idx="6"/>
-            <a:endCxn id="5" idx="2"/>
-          </p:cNvCxnSpPr>
-          <p:nvPr/>
-        </p:nvCxnSpPr>
-        <p:spPr>
-          <a:xfrm flipV="1">
-            <a:off x="3168741" y="3379038"/>
-            <a:ext cx="746344" cy="303911"/>
-          </a:xfrm>
-          <a:prstGeom prst="straightConnector1">
-            <a:avLst/>
-          </a:prstGeom>
-          <a:ln>
-            <a:tailEnd type="triangle"/>
-          </a:ln>
-        </p:spPr>
-        <p:style>
-          <a:lnRef idx="1">
-            <a:schemeClr val="accent1"/>
-          </a:lnRef>
-          <a:fillRef idx="0">
-            <a:schemeClr val="accent1"/>
-          </a:fillRef>
-          <a:effectRef idx="0">
-            <a:schemeClr val="accent1"/>
-          </a:effectRef>
-          <a:fontRef idx="minor">
-            <a:schemeClr val="tx1"/>
-          </a:fontRef>
-        </p:style>
-      </p:cxnSp>
-      <p:sp>
-        <p:nvSpPr>
-          <p:cNvPr id="44" name="TextBox 43">
-            <a:extLst>
-              <a:ext uri="{FF2B5EF4-FFF2-40B4-BE49-F238E27FC236}">
-                <a16:creationId xmlns:a16="http://schemas.microsoft.com/office/drawing/2014/main" id="{AB4B8508-3514-457C-85EF-B2451679BB77}"/>
-              </a:ext>
-            </a:extLst>
-          </p:cNvPr>
-          <p:cNvSpPr txBox="1"/>
-          <p:nvPr/>
-        </p:nvSpPr>
-        <p:spPr>
-          <a:xfrm>
-            <a:off x="4883812" y="3807022"/>
-            <a:ext cx="1025236" cy="307777"/>
-          </a:xfrm>
-          <a:prstGeom prst="rect">
-            <a:avLst/>
-          </a:prstGeom>
-          <a:noFill/>
-        </p:spPr>
-        <p:txBody>
-          <a:bodyPr wrap="square" rtlCol="0">
-            <a:spAutoFit/>
-          </a:bodyPr>
-          <a:lstStyle/>
-          <a:p>
-            <a:r>
-              <a:rPr lang="en-US" sz="1400" dirty="0" err="1"/>
-              <a:t>n</a:t>
-            </a:r>
-            <a:r>
-              <a:rPr lang="en-US" sz="1400" baseline="-25000" dirty="0" err="1"/>
-              <a:t>j</a:t>
-            </a:r>
-            <a:r>
-              <a:rPr lang="en-US" sz="1400" dirty="0"/>
-              <a:t>=12</a:t>
-            </a:r>
-          </a:p>
-        </p:txBody>
-      </p:sp>
     </p:spTree>
     <p:extLst>
       <p:ext uri="{BB962C8B-B14F-4D97-AF65-F5344CB8AC3E}">
